--- a/lectures/le13_advanced_models.pptx
+++ b/lectures/le13_advanced_models.pptx
@@ -5346,8 +5346,8 @@
         </p:blipFill>
         <p:spPr>
           <a:xfrm>
-            <a:off x="4028363" y="1690688"/>
-            <a:ext cx="3507063" cy="4475748"/>
+            <a:off x="3513221" y="1033259"/>
+            <a:ext cx="4610501" cy="5883966"/>
           </a:xfrm>
           <a:prstGeom prst="rect">
             <a:avLst/>
@@ -5362,7 +5362,7 @@
         </p:nvSpPr>
         <p:spPr>
           <a:xfrm>
-            <a:off x="4634755" y="6172704"/>
+            <a:off x="0" y="6488668"/>
             <a:ext cx="2890535" cy="369332"/>
           </a:xfrm>
           <a:prstGeom prst="rect">
@@ -5464,7 +5464,7 @@
             </a:r>
             <a:r>
               <a:rPr lang="en-US" dirty="0"/>
-              <a:t> lizard data, examine the difference between a zero-inflated Poisson and a zero-inflated negative binomial. Compare these models (how?)</a:t>
+              <a:t> lizard data, examine the difference between a zero-inflated Poisson and a zero-inflated negative binomial. Compare these models.</a:t>
             </a:r>
           </a:p>
           <a:p>
